--- a/Final Presentation.pptx
+++ b/Final Presentation.pptx
@@ -2337,7 +2337,7 @@
               <a:rPr lang="en-US" smtClean="0">
                 <a:uFillTx/>
               </a:rPr>
-              <a:t>2/24/2021</a:t>
+              <a:t>2/25/21</a:t>
             </a:fld>
             <a:endParaRPr lang="en-US">
               <a:uFillTx/>
@@ -2841,7 +2841,7 @@
                 <a:latin typeface="Calibri"/>
               </a:rPr>
               <a:pPr/>
-              <a:t>2/24/2021</a:t>
+              <a:t>2/25/21</a:t>
             </a:fld>
             <a:endParaRPr lang="en-US">
               <a:solidFill>
@@ -3087,7 +3087,7 @@
                 <a:latin typeface="Calibri"/>
               </a:rPr>
               <a:pPr/>
-              <a:t>2/24/2021</a:t>
+              <a:t>2/25/21</a:t>
             </a:fld>
             <a:endParaRPr lang="en-US">
               <a:solidFill>
@@ -3434,7 +3434,7 @@
                 <a:latin typeface="Calibri"/>
               </a:rPr>
               <a:pPr/>
-              <a:t>2/24/2021</a:t>
+              <a:t>2/25/21</a:t>
             </a:fld>
             <a:endParaRPr lang="en-US">
               <a:solidFill>
@@ -3621,7 +3621,7 @@
                 <a:latin typeface="Calibri"/>
               </a:rPr>
               <a:pPr/>
-              <a:t>2/24/2021</a:t>
+              <a:t>2/25/21</a:t>
             </a:fld>
             <a:endParaRPr lang="en-US">
               <a:solidFill>
@@ -3776,7 +3776,7 @@
                 <a:latin typeface="Calibri"/>
               </a:rPr>
               <a:pPr/>
-              <a:t>2/24/2021</a:t>
+              <a:t>2/25/21</a:t>
             </a:fld>
             <a:endParaRPr lang="en-US">
               <a:solidFill>
@@ -4020,7 +4020,7 @@
                 <a:latin typeface="Calibri"/>
               </a:rPr>
               <a:pPr defTabSz="1218987"/>
-              <a:t>2/24/2021</a:t>
+              <a:t>2/25/21</a:t>
             </a:fld>
             <a:endParaRPr lang="en-US">
               <a:solidFill>
@@ -13869,7 +13869,12 @@
             <p:ph type="title"/>
           </p:nvPr>
         </p:nvSpPr>
-        <p:spPr/>
+        <p:spPr>
+          <a:xfrm>
+            <a:off x="609598" y="560934"/>
+            <a:ext cx="10972801" cy="711081"/>
+          </a:xfrm>
+        </p:spPr>
         <p:txBody>
           <a:bodyPr/>
           <a:lstStyle/>
@@ -13894,8 +13899,8 @@
         </p:nvSpPr>
         <p:spPr>
           <a:xfrm>
-            <a:off x="1282125" y="5821375"/>
-            <a:ext cx="2884053" cy="338554"/>
+            <a:off x="425344" y="5401587"/>
+            <a:ext cx="2884053" cy="830997"/>
           </a:xfrm>
           <a:prstGeom prst="rect">
             <a:avLst/>
@@ -13908,7 +13913,7 @@
           </a:bodyPr>
           <a:lstStyle/>
           <a:p>
-            <a:pPr marL="0" marR="0" lvl="0" indent="0" algn="r" defTabSz="1218987" rtl="0" eaLnBrk="1" fontAlgn="auto" latinLnBrk="0" hangingPunct="1">
+            <a:pPr marL="285750" marR="0" lvl="0" indent="-285750" defTabSz="1218987" rtl="0" eaLnBrk="1" fontAlgn="auto" latinLnBrk="0" hangingPunct="1">
               <a:lnSpc>
                 <a:spcPct val="100000"/>
               </a:lnSpc>
@@ -13920,8 +13925,8 @@
               </a:spcAft>
               <a:buClrTx/>
               <a:buSzTx/>
-              <a:buFontTx/>
-              <a:buNone/>
+              <a:buFont typeface="Arial" panose="020B0604020202020204" pitchFamily="34" charset="0"/>
+              <a:buChar char="•"/>
               <a:tabLst/>
               <a:defRPr/>
             </a:pPr>
@@ -13940,7 +13945,43 @@
                 <a:ea typeface="+mn-ea"/>
                 <a:cs typeface="Arial" panose="020B0604020202020204" pitchFamily="34" charset="0"/>
               </a:rPr>
-              <a:t>xxx</a:t>
+              <a:t>Increase on the rise</a:t>
+            </a:r>
+          </a:p>
+          <a:p>
+            <a:pPr marL="285750" marR="0" lvl="0" indent="-285750" defTabSz="1218987" rtl="0" eaLnBrk="1" fontAlgn="auto" latinLnBrk="0" hangingPunct="1">
+              <a:lnSpc>
+                <a:spcPct val="100000"/>
+              </a:lnSpc>
+              <a:spcBef>
+                <a:spcPts val="0"/>
+              </a:spcBef>
+              <a:spcAft>
+                <a:spcPts val="0"/>
+              </a:spcAft>
+              <a:buClrTx/>
+              <a:buSzTx/>
+              <a:buFont typeface="Arial" panose="020B0604020202020204" pitchFamily="34" charset="0"/>
+              <a:buChar char="•"/>
+              <a:tabLst/>
+              <a:defRPr/>
+            </a:pPr>
+            <a:r>
+              <a:rPr kumimoji="0" lang="en-US" sz="1600" b="0" i="0" u="none" strike="noStrike" kern="1200" cap="none" spc="0" normalizeH="0" baseline="0" noProof="0" dirty="0">
+                <a:ln>
+                  <a:noFill/>
+                </a:ln>
+                <a:solidFill>
+                  <a:srgbClr val="FFFFFF"/>
+                </a:solidFill>
+                <a:effectLst/>
+                <a:uLnTx/>
+                <a:uFillTx/>
+                <a:latin typeface="Arial" panose="020B0604020202020204" pitchFamily="34" charset="0"/>
+                <a:ea typeface="+mn-ea"/>
+                <a:cs typeface="Arial" panose="020B0604020202020204" pitchFamily="34" charset="0"/>
+              </a:rPr>
+              <a:t>Businesses starting to go back to work</a:t>
             </a:r>
           </a:p>
         </p:txBody>
@@ -13955,7 +13996,7 @@
         </p:nvSpPr>
         <p:spPr>
           <a:xfrm>
-            <a:off x="8025861" y="5821375"/>
+            <a:off x="7995753" y="5385541"/>
             <a:ext cx="2884053" cy="584775"/>
           </a:xfrm>
           <a:prstGeom prst="rect">
@@ -13969,7 +14010,7 @@
           </a:bodyPr>
           <a:lstStyle/>
           <a:p>
-            <a:pPr marL="0" marR="0" lvl="0" indent="0" algn="l" defTabSz="1218987" rtl="0" eaLnBrk="1" fontAlgn="auto" latinLnBrk="0" hangingPunct="1">
+            <a:pPr marL="285750" marR="0" lvl="0" indent="-285750" algn="l" defTabSz="1218987" rtl="0" eaLnBrk="1" fontAlgn="auto" latinLnBrk="0" hangingPunct="1">
               <a:lnSpc>
                 <a:spcPct val="100000"/>
               </a:lnSpc>
@@ -13981,8 +14022,37 @@
               </a:spcAft>
               <a:buClrTx/>
               <a:buSzTx/>
-              <a:buFontTx/>
-              <a:buNone/>
+              <a:buFont typeface="Arial" panose="020B0604020202020204" pitchFamily="34" charset="0"/>
+              <a:buChar char="•"/>
+              <a:tabLst/>
+              <a:defRPr/>
+            </a:pPr>
+            <a:r>
+              <a:rPr lang="en-US" sz="1600" kern="0" dirty="0">
+                <a:solidFill>
+                  <a:srgbClr val="FFFFFF"/>
+                </a:solidFill>
+                <a:latin typeface="Arial" panose="020B0604020202020204" pitchFamily="34" charset="0"/>
+                <a:cs typeface="Arial" panose="020B0604020202020204" pitchFamily="34" charset="0"/>
+              </a:rPr>
+              <a:t>Increasing at Slower Rate</a:t>
+            </a:r>
+          </a:p>
+          <a:p>
+            <a:pPr marL="285750" marR="0" lvl="0" indent="-285750" algn="l" defTabSz="1218987" rtl="0" eaLnBrk="1" fontAlgn="auto" latinLnBrk="0" hangingPunct="1">
+              <a:lnSpc>
+                <a:spcPct val="100000"/>
+              </a:lnSpc>
+              <a:spcBef>
+                <a:spcPts val="0"/>
+              </a:spcBef>
+              <a:spcAft>
+                <a:spcPts val="0"/>
+              </a:spcAft>
+              <a:buClrTx/>
+              <a:buSzTx/>
+              <a:buFont typeface="Arial" panose="020B0604020202020204" pitchFamily="34" charset="0"/>
+              <a:buChar char="•"/>
               <a:tabLst/>
               <a:defRPr/>
             </a:pPr>
@@ -14001,58 +14071,8 @@
                 <a:ea typeface="+mn-ea"/>
                 <a:cs typeface="Arial" panose="020B0604020202020204" pitchFamily="34" charset="0"/>
               </a:rPr>
-              <a:t>This is a sample text.</a:t>
+              <a:t>Quarantine Policies</a:t>
             </a:r>
-          </a:p>
-          <a:p>
-            <a:pPr marL="0" marR="0" lvl="0" indent="0" algn="l" defTabSz="1218987" rtl="0" eaLnBrk="1" fontAlgn="auto" latinLnBrk="0" hangingPunct="1">
-              <a:lnSpc>
-                <a:spcPct val="100000"/>
-              </a:lnSpc>
-              <a:spcBef>
-                <a:spcPts val="0"/>
-              </a:spcBef>
-              <a:spcAft>
-                <a:spcPts val="0"/>
-              </a:spcAft>
-              <a:buClrTx/>
-              <a:buSzTx/>
-              <a:buFontTx/>
-              <a:buNone/>
-              <a:tabLst/>
-              <a:defRPr/>
-            </a:pPr>
-            <a:r>
-              <a:rPr kumimoji="0" lang="en-US" sz="1600" b="0" i="0" u="none" strike="noStrike" kern="0" cap="none" spc="0" normalizeH="0" baseline="0" noProof="0" dirty="0">
-                <a:ln>
-                  <a:noFill/>
-                </a:ln>
-                <a:solidFill>
-                  <a:srgbClr val="FFFFFF"/>
-                </a:solidFill>
-                <a:effectLst/>
-                <a:uLnTx/>
-                <a:uFillTx/>
-                <a:latin typeface="Arial" panose="020B0604020202020204" pitchFamily="34" charset="0"/>
-                <a:ea typeface="+mn-ea"/>
-                <a:cs typeface="Arial" panose="020B0604020202020204" pitchFamily="34" charset="0"/>
-              </a:rPr>
-              <a:t>Insert your desired text here.</a:t>
-            </a:r>
-            <a:endParaRPr kumimoji="0" lang="en-US" sz="1600" b="0" i="0" u="none" strike="noStrike" kern="1200" cap="none" spc="0" normalizeH="0" baseline="0" noProof="0" dirty="0">
-              <a:ln>
-                <a:noFill/>
-              </a:ln>
-              <a:solidFill>
-                <a:srgbClr val="FFFFFF"/>
-              </a:solidFill>
-              <a:effectLst/>
-              <a:uLnTx/>
-              <a:uFillTx/>
-              <a:latin typeface="Arial" panose="020B0604020202020204" pitchFamily="34" charset="0"/>
-              <a:ea typeface="+mn-ea"/>
-              <a:cs typeface="Arial" panose="020B0604020202020204" pitchFamily="34" charset="0"/>
-            </a:endParaRPr>
           </a:p>
         </p:txBody>
       </p:sp>
@@ -22069,155 +22089,84 @@
           </p:grpSp>
         </p:grpSp>
       </p:grpSp>
-      <p:sp>
-        <p:nvSpPr>
-          <p:cNvPr id="173" name="TextBox 172"/>
-          <p:cNvSpPr txBox="1">
-            <a:spLocks/>
-          </p:cNvSpPr>
+      <p:pic>
+        <p:nvPicPr>
+          <p:cNvPr id="5" name="Picture 4" descr="Chart, bar chart&#10;&#10;Description automatically generated">
+            <a:extLst>
+              <a:ext uri="{FF2B5EF4-FFF2-40B4-BE49-F238E27FC236}">
+                <a16:creationId xmlns:a16="http://schemas.microsoft.com/office/drawing/2014/main" id="{2CB1C4E3-A6C5-8E46-9D24-864EF3ACA225}"/>
+              </a:ext>
+            </a:extLst>
+          </p:cNvPr>
+          <p:cNvPicPr>
+            <a:picLocks noChangeAspect="1"/>
+          </p:cNvPicPr>
           <p:nvPr/>
-        </p:nvSpPr>
+        </p:nvPicPr>
+        <p:blipFill>
+          <a:blip r:embed="rId2">
+            <a:extLst>
+              <a:ext uri="{28A0092B-C50C-407E-A947-70E740481C1C}">
+                <a14:useLocalDpi xmlns:a14="http://schemas.microsoft.com/office/drawing/2010/main" val="0"/>
+              </a:ext>
+            </a:extLst>
+          </a:blip>
+          <a:stretch>
+            <a:fillRect/>
+          </a:stretch>
+        </p:blipFill>
         <p:spPr>
           <a:xfrm>
-            <a:off x="1282125" y="5497284"/>
-            <a:ext cx="2884053" cy="400110"/>
+            <a:off x="189703" y="1741612"/>
+            <a:ext cx="5068896" cy="3211920"/>
           </a:xfrm>
           <a:prstGeom prst="rect">
             <a:avLst/>
           </a:prstGeom>
-          <a:noFill/>
         </p:spPr>
-        <p:txBody>
-          <a:bodyPr wrap="square" rtlCol="0">
-            <a:spAutoFit/>
-          </a:bodyPr>
-          <a:lstStyle/>
-          <a:p>
-            <a:pPr marL="0" marR="0" lvl="0" indent="0" algn="r" defTabSz="1218987" rtl="0" eaLnBrk="1" fontAlgn="auto" latinLnBrk="0" hangingPunct="1">
-              <a:lnSpc>
-                <a:spcPct val="100000"/>
-              </a:lnSpc>
-              <a:spcBef>
-                <a:spcPts val="0"/>
-              </a:spcBef>
-              <a:spcAft>
-                <a:spcPts val="0"/>
-              </a:spcAft>
-              <a:buClrTx/>
-              <a:buSzTx/>
-              <a:buFontTx/>
-              <a:buNone/>
-              <a:tabLst/>
-              <a:defRPr/>
-            </a:pPr>
-            <a:r>
-              <a:rPr lang="en-US" sz="2000" kern="0" dirty="0">
-                <a:solidFill>
-                  <a:srgbClr val="FFFFFF"/>
-                </a:solidFill>
-                <a:latin typeface="Arial" panose="020B0604020202020204" pitchFamily="34" charset="0"/>
-                <a:cs typeface="Arial" panose="020B0604020202020204" pitchFamily="34" charset="0"/>
-              </a:rPr>
-              <a:t>Main insight</a:t>
-            </a:r>
-            <a:endParaRPr kumimoji="0" lang="en-US" sz="2000" b="0" i="0" u="none" strike="noStrike" kern="1200" cap="none" spc="0" normalizeH="0" baseline="0" noProof="0" dirty="0">
-              <a:ln>
-                <a:noFill/>
-              </a:ln>
-              <a:solidFill>
-                <a:srgbClr val="FFFFFF"/>
-              </a:solidFill>
-              <a:effectLst/>
-              <a:uLnTx/>
-              <a:uFillTx/>
-              <a:latin typeface="Arial" panose="020B0604020202020204" pitchFamily="34" charset="0"/>
-              <a:ea typeface="+mn-ea"/>
-              <a:cs typeface="Arial" panose="020B0604020202020204" pitchFamily="34" charset="0"/>
-            </a:endParaRPr>
-          </a:p>
-        </p:txBody>
-      </p:sp>
-      <p:sp>
-        <p:nvSpPr>
-          <p:cNvPr id="174" name="TextBox 173"/>
-          <p:cNvSpPr txBox="1">
-            <a:spLocks/>
-          </p:cNvSpPr>
+      </p:pic>
+      <p:pic>
+        <p:nvPicPr>
+          <p:cNvPr id="7" name="Picture 6" descr="Chart, bar chart&#10;&#10;Description automatically generated">
+            <a:extLst>
+              <a:ext uri="{FF2B5EF4-FFF2-40B4-BE49-F238E27FC236}">
+                <a16:creationId xmlns:a16="http://schemas.microsoft.com/office/drawing/2014/main" id="{C830CF7D-C7F0-0547-8A31-8A298F96AA74}"/>
+              </a:ext>
+            </a:extLst>
+          </p:cNvPr>
+          <p:cNvPicPr>
+            <a:picLocks noChangeAspect="1"/>
+          </p:cNvPicPr>
           <p:nvPr/>
-        </p:nvSpPr>
+        </p:nvPicPr>
+        <p:blipFill>
+          <a:blip r:embed="rId3">
+            <a:extLst>
+              <a:ext uri="{28A0092B-C50C-407E-A947-70E740481C1C}">
+                <a14:useLocalDpi xmlns:a14="http://schemas.microsoft.com/office/drawing/2010/main" val="0"/>
+              </a:ext>
+            </a:extLst>
+          </a:blip>
+          <a:stretch>
+            <a:fillRect/>
+          </a:stretch>
+        </p:blipFill>
         <p:spPr>
           <a:xfrm>
-            <a:off x="8025861" y="5497284"/>
-            <a:ext cx="2884053" cy="400110"/>
+            <a:off x="6448916" y="1716007"/>
+            <a:ext cx="5146654" cy="3261192"/>
           </a:xfrm>
           <a:prstGeom prst="rect">
             <a:avLst/>
           </a:prstGeom>
-          <a:noFill/>
         </p:spPr>
-        <p:txBody>
-          <a:bodyPr wrap="square" rtlCol="0">
-            <a:spAutoFit/>
-          </a:bodyPr>
-          <a:lstStyle/>
-          <a:p>
-            <a:pPr marL="0" marR="0" lvl="0" indent="0" algn="l" defTabSz="1218987" rtl="0" eaLnBrk="1" fontAlgn="auto" latinLnBrk="0" hangingPunct="1">
-              <a:lnSpc>
-                <a:spcPct val="100000"/>
-              </a:lnSpc>
-              <a:spcBef>
-                <a:spcPts val="0"/>
-              </a:spcBef>
-              <a:spcAft>
-                <a:spcPts val="0"/>
-              </a:spcAft>
-              <a:buClrTx/>
-              <a:buSzTx/>
-              <a:buFontTx/>
-              <a:buNone/>
-              <a:tabLst/>
-              <a:defRPr/>
-            </a:pPr>
-            <a:r>
-              <a:rPr kumimoji="0" lang="en-US" sz="2000" b="0" i="0" u="none" strike="noStrike" kern="0" cap="none" spc="0" normalizeH="0" baseline="0" noProof="0" dirty="0">
-                <a:ln>
-                  <a:noFill/>
-                </a:ln>
-                <a:solidFill>
-                  <a:srgbClr val="FFFFFF"/>
-                </a:solidFill>
-                <a:effectLst/>
-                <a:uLnTx/>
-                <a:uFillTx/>
-                <a:latin typeface="Arial" panose="020B0604020202020204" pitchFamily="34" charset="0"/>
-                <a:ea typeface="+mn-ea"/>
-                <a:cs typeface="Arial" panose="020B0604020202020204" pitchFamily="34" charset="0"/>
-              </a:rPr>
-              <a:t>Main insight</a:t>
-            </a:r>
-            <a:endParaRPr kumimoji="0" lang="en-US" sz="2000" b="0" i="0" u="none" strike="noStrike" kern="1200" cap="none" spc="0" normalizeH="0" baseline="0" noProof="0" dirty="0">
-              <a:ln>
-                <a:noFill/>
-              </a:ln>
-              <a:solidFill>
-                <a:srgbClr val="FFFFFF"/>
-              </a:solidFill>
-              <a:effectLst/>
-              <a:uLnTx/>
-              <a:uFillTx/>
-              <a:latin typeface="Arial" panose="020B0604020202020204" pitchFamily="34" charset="0"/>
-              <a:ea typeface="+mn-ea"/>
-              <a:cs typeface="Arial" panose="020B0604020202020204" pitchFamily="34" charset="0"/>
-            </a:endParaRPr>
-          </a:p>
-        </p:txBody>
-      </p:sp>
+      </p:pic>
       <p:sp>
         <p:nvSpPr>
-          <p:cNvPr id="2" name="TextBox 1">
+          <p:cNvPr id="8" name="TextBox 7">
             <a:extLst>
               <a:ext uri="{FF2B5EF4-FFF2-40B4-BE49-F238E27FC236}">
-                <a16:creationId xmlns:a16="http://schemas.microsoft.com/office/drawing/2014/main" id="{6E728BA7-7D8F-4F8C-BF9F-0555046AF5F2}"/>
+                <a16:creationId xmlns:a16="http://schemas.microsoft.com/office/drawing/2014/main" id="{65D73085-922A-4143-BA99-194ED45F2FC0}"/>
               </a:ext>
             </a:extLst>
           </p:cNvPr>
@@ -22226,8 +22175,8 @@
         </p:nvSpPr>
         <p:spPr>
           <a:xfrm>
-            <a:off x="4490121" y="1795282"/>
-            <a:ext cx="3545225" cy="1107996"/>
+            <a:off x="1562101" y="1741612"/>
+            <a:ext cx="1162050" cy="369332"/>
           </a:xfrm>
           <a:prstGeom prst="rect">
             <a:avLst/>
@@ -22240,8 +22189,42 @@
           <a:lstStyle/>
           <a:p>
             <a:r>
-              <a:rPr lang="en-US" sz="6600" dirty="0"/>
-              <a:t>Chart</a:t>
+              <a:rPr lang="en-US" dirty="0"/>
+              <a:t>Domestic</a:t>
+            </a:r>
+          </a:p>
+        </p:txBody>
+      </p:sp>
+      <p:sp>
+        <p:nvSpPr>
+          <p:cNvPr id="9" name="TextBox 8">
+            <a:extLst>
+              <a:ext uri="{FF2B5EF4-FFF2-40B4-BE49-F238E27FC236}">
+                <a16:creationId xmlns:a16="http://schemas.microsoft.com/office/drawing/2014/main" id="{69FD039C-5731-494B-9CE6-31D9BE632BE8}"/>
+              </a:ext>
+            </a:extLst>
+          </p:cNvPr>
+          <p:cNvSpPr txBox="1"/>
+          <p:nvPr/>
+        </p:nvSpPr>
+        <p:spPr>
+          <a:xfrm>
+            <a:off x="7075396" y="1741612"/>
+            <a:ext cx="1468927" cy="369332"/>
+          </a:xfrm>
+          <a:prstGeom prst="rect">
+            <a:avLst/>
+          </a:prstGeom>
+        </p:spPr>
+        <p:txBody>
+          <a:bodyPr wrap="square" rtlCol="0">
+            <a:spAutoFit/>
+          </a:bodyPr>
+          <a:lstStyle/>
+          <a:p>
+            <a:r>
+              <a:rPr lang="en-US" dirty="0"/>
+              <a:t>International</a:t>
             </a:r>
           </a:p>
         </p:txBody>
